--- a/Apresentações/Modulo 1/M01A01.pptx
+++ b/Apresentações/Modulo 1/M01A01.pptx
@@ -16,8 +16,10 @@
     <p:sldId id="319" r:id="rId10"/>
     <p:sldId id="322" r:id="rId11"/>
     <p:sldId id="324" r:id="rId12"/>
-    <p:sldId id="325" r:id="rId13"/>
-    <p:sldId id="326" r:id="rId14"/>
+    <p:sldId id="328" r:id="rId13"/>
+    <p:sldId id="327" r:id="rId14"/>
+    <p:sldId id="325" r:id="rId15"/>
+    <p:sldId id="326" r:id="rId16"/>
   </p:sldIdLst>
   <p:sldSz cx="12192000" cy="6858000"/>
   <p:notesSz cx="6858000" cy="9144000"/>
@@ -255,7 +257,7 @@
           <a:p>
             <a:fld id="{F36A889A-630D-4AE9-9509-7F3A71457833}" type="datetimeFigureOut">
               <a:rPr lang="pt-BR" smtClean="0"/>
-              <a:t>29/05/2015</a:t>
+              <a:t>12/06/2015</a:t>
             </a:fld>
             <a:endParaRPr lang="pt-BR"/>
           </a:p>
@@ -425,7 +427,7 @@
           <a:p>
             <a:fld id="{F36A889A-630D-4AE9-9509-7F3A71457833}" type="datetimeFigureOut">
               <a:rPr lang="pt-BR" smtClean="0"/>
-              <a:t>29/05/2015</a:t>
+              <a:t>12/06/2015</a:t>
             </a:fld>
             <a:endParaRPr lang="pt-BR"/>
           </a:p>
@@ -605,7 +607,7 @@
           <a:p>
             <a:fld id="{F36A889A-630D-4AE9-9509-7F3A71457833}" type="datetimeFigureOut">
               <a:rPr lang="pt-BR" smtClean="0"/>
-              <a:t>29/05/2015</a:t>
+              <a:t>12/06/2015</a:t>
             </a:fld>
             <a:endParaRPr lang="pt-BR"/>
           </a:p>
@@ -775,7 +777,7 @@
           <a:p>
             <a:fld id="{F36A889A-630D-4AE9-9509-7F3A71457833}" type="datetimeFigureOut">
               <a:rPr lang="pt-BR" smtClean="0"/>
-              <a:t>29/05/2015</a:t>
+              <a:t>12/06/2015</a:t>
             </a:fld>
             <a:endParaRPr lang="pt-BR"/>
           </a:p>
@@ -1021,7 +1023,7 @@
           <a:p>
             <a:fld id="{F36A889A-630D-4AE9-9509-7F3A71457833}" type="datetimeFigureOut">
               <a:rPr lang="pt-BR" smtClean="0"/>
-              <a:t>29/05/2015</a:t>
+              <a:t>12/06/2015</a:t>
             </a:fld>
             <a:endParaRPr lang="pt-BR"/>
           </a:p>
@@ -1253,7 +1255,7 @@
           <a:p>
             <a:fld id="{F36A889A-630D-4AE9-9509-7F3A71457833}" type="datetimeFigureOut">
               <a:rPr lang="pt-BR" smtClean="0"/>
-              <a:t>29/05/2015</a:t>
+              <a:t>12/06/2015</a:t>
             </a:fld>
             <a:endParaRPr lang="pt-BR"/>
           </a:p>
@@ -1620,7 +1622,7 @@
           <a:p>
             <a:fld id="{F36A889A-630D-4AE9-9509-7F3A71457833}" type="datetimeFigureOut">
               <a:rPr lang="pt-BR" smtClean="0"/>
-              <a:t>29/05/2015</a:t>
+              <a:t>12/06/2015</a:t>
             </a:fld>
             <a:endParaRPr lang="pt-BR"/>
           </a:p>
@@ -1738,7 +1740,7 @@
           <a:p>
             <a:fld id="{F36A889A-630D-4AE9-9509-7F3A71457833}" type="datetimeFigureOut">
               <a:rPr lang="pt-BR" smtClean="0"/>
-              <a:t>29/05/2015</a:t>
+              <a:t>12/06/2015</a:t>
             </a:fld>
             <a:endParaRPr lang="pt-BR"/>
           </a:p>
@@ -1833,7 +1835,7 @@
           <a:p>
             <a:fld id="{F36A889A-630D-4AE9-9509-7F3A71457833}" type="datetimeFigureOut">
               <a:rPr lang="pt-BR" smtClean="0"/>
-              <a:t>29/05/2015</a:t>
+              <a:t>12/06/2015</a:t>
             </a:fld>
             <a:endParaRPr lang="pt-BR"/>
           </a:p>
@@ -2110,7 +2112,7 @@
           <a:p>
             <a:fld id="{F36A889A-630D-4AE9-9509-7F3A71457833}" type="datetimeFigureOut">
               <a:rPr lang="pt-BR" smtClean="0"/>
-              <a:t>29/05/2015</a:t>
+              <a:t>12/06/2015</a:t>
             </a:fld>
             <a:endParaRPr lang="pt-BR"/>
           </a:p>
@@ -2363,7 +2365,7 @@
           <a:p>
             <a:fld id="{F36A889A-630D-4AE9-9509-7F3A71457833}" type="datetimeFigureOut">
               <a:rPr lang="pt-BR" smtClean="0"/>
-              <a:t>29/05/2015</a:t>
+              <a:t>12/06/2015</a:t>
             </a:fld>
             <a:endParaRPr lang="pt-BR"/>
           </a:p>
@@ -2576,7 +2578,7 @@
           <a:p>
             <a:fld id="{F36A889A-630D-4AE9-9509-7F3A71457833}" type="datetimeFigureOut">
               <a:rPr lang="pt-BR" smtClean="0"/>
-              <a:t>29/05/2015</a:t>
+              <a:t>12/06/2015</a:t>
             </a:fld>
             <a:endParaRPr lang="pt-BR"/>
           </a:p>
@@ -3291,14 +3293,7 @@
           <a:p>
             <a:pPr lvl="1" fontAlgn="base"/>
             <a:r>
-              <a:rPr lang="pt-BR" b="1" dirty="0" smtClean="0"/>
-              <a:t>Autenticando ao abrir a aplicação</a:t>
-            </a:r>
-          </a:p>
-          <a:p>
-            <a:pPr lvl="1" fontAlgn="base"/>
-            <a:r>
-              <a:rPr lang="pt-BR" b="1" dirty="0" err="1" smtClean="0"/>
+              <a:rPr lang="pt-BR" b="1" smtClean="0"/>
               <a:t>logout</a:t>
             </a:r>
             <a:endParaRPr lang="pt-BR" dirty="0"/>
@@ -3406,29 +3401,42 @@
             </a:r>
             <a:r>
               <a:rPr lang="pt-BR" b="1" dirty="0" smtClean="0"/>
-              <a:t>– Frameworks CSS</a:t>
-            </a:r>
-          </a:p>
-          <a:p>
-            <a:pPr lvl="1" fontAlgn="base"/>
-            <a:r>
-              <a:rPr lang="pt-BR" b="1" dirty="0" err="1" smtClean="0"/>
-              <a:t>Bootstrap</a:t>
-            </a:r>
-            <a:endParaRPr lang="pt-BR" b="1" dirty="0" smtClean="0"/>
-          </a:p>
-          <a:p>
-            <a:pPr lvl="1" fontAlgn="base"/>
-            <a:r>
-              <a:rPr lang="pt-BR" dirty="0" smtClean="0"/>
-              <a:t>Materialize</a:t>
-            </a:r>
-          </a:p>
-          <a:p>
-            <a:pPr lvl="1" fontAlgn="base"/>
-            <a:r>
-              <a:rPr lang="pt-BR" dirty="0" smtClean="0"/>
-              <a:t>Material design</a:t>
+              <a:t>– Escalando A APLICAÇÃO</a:t>
+            </a:r>
+          </a:p>
+          <a:p>
+            <a:pPr lvl="1" fontAlgn="base"/>
+            <a:r>
+              <a:rPr lang="pt-BR" dirty="0" smtClean="0"/>
+              <a:t>Entendendo as Rotas</a:t>
+            </a:r>
+          </a:p>
+          <a:p>
+            <a:pPr lvl="1" fontAlgn="base"/>
+            <a:r>
+              <a:rPr lang="pt-BR" dirty="0" smtClean="0"/>
+              <a:t>Parâmetros nas rotas</a:t>
+            </a:r>
+          </a:p>
+          <a:p>
+            <a:pPr lvl="1" fontAlgn="base"/>
+            <a:r>
+              <a:rPr lang="pt-BR" dirty="0" smtClean="0"/>
+              <a:t>MODELO TRADICIONAL</a:t>
+            </a:r>
+          </a:p>
+          <a:p>
+            <a:pPr lvl="1" fontAlgn="base"/>
+            <a:r>
+              <a:rPr lang="pt-BR" dirty="0" smtClean="0"/>
+              <a:t>SEPARANDO A POR CONTEXTOS</a:t>
+            </a:r>
+          </a:p>
+          <a:p>
+            <a:pPr lvl="1" fontAlgn="base"/>
+            <a:r>
+              <a:rPr lang="pt-BR" dirty="0" smtClean="0"/>
+              <a:t>DISTRIBUINDO COMPONENTES</a:t>
             </a:r>
             <a:endParaRPr lang="pt-BR" dirty="0"/>
           </a:p>
@@ -3530,67 +3538,63 @@
           <a:p>
             <a:pPr fontAlgn="base"/>
             <a:r>
+              <a:rPr lang="pt-BR" b="1" dirty="0"/>
+              <a:t>Módulo </a:t>
+            </a:r>
+            <a:r>
               <a:rPr lang="pt-BR" b="1" dirty="0" smtClean="0"/>
-              <a:t>Módulo 9 – infraestrutura</a:t>
-            </a:r>
-          </a:p>
-          <a:p>
-            <a:pPr lvl="1" fontAlgn="base"/>
+              <a:t>9 – Boas </a:t>
+            </a:r>
             <a:r>
               <a:rPr lang="pt-BR" b="1" dirty="0" err="1" smtClean="0"/>
-              <a:t>Minificando</a:t>
-            </a:r>
-            <a:r>
-              <a:rPr lang="pt-BR" b="1" dirty="0" smtClean="0"/>
-              <a:t> os arquivos</a:t>
-            </a:r>
-          </a:p>
-          <a:p>
-            <a:pPr lvl="1" fontAlgn="base"/>
-            <a:r>
-              <a:rPr lang="pt-BR" b="1" dirty="0" smtClean="0"/>
-              <a:t>Ofuscando os </a:t>
-            </a:r>
-            <a:r>
-              <a:rPr lang="pt-BR" b="1" dirty="0" err="1" smtClean="0"/>
-              <a:t>javascripts</a:t>
+              <a:t>pRÁTICAS</a:t>
             </a:r>
             <a:endParaRPr lang="pt-BR" b="1" dirty="0" smtClean="0"/>
           </a:p>
           <a:p>
             <a:pPr lvl="1" fontAlgn="base"/>
             <a:r>
-              <a:rPr lang="pt-BR" b="1" dirty="0" smtClean="0"/>
-              <a:t>Melhorando a publicação e desenvolvimento do seu projeto front-</a:t>
-            </a:r>
-            <a:r>
-              <a:rPr lang="pt-BR" b="1" dirty="0" err="1" smtClean="0"/>
-              <a:t>end</a:t>
-            </a:r>
-            <a:endParaRPr lang="pt-BR" b="1" dirty="0" smtClean="0"/>
-          </a:p>
-          <a:p>
-            <a:pPr lvl="1" fontAlgn="base"/>
-            <a:r>
-              <a:rPr lang="pt-BR" b="1" dirty="0" smtClean="0"/>
-              <a:t>Publicando a aplicação no </a:t>
-            </a:r>
-            <a:r>
-              <a:rPr lang="pt-BR" b="1" dirty="0" err="1" smtClean="0"/>
-              <a:t>azure</a:t>
-            </a:r>
-            <a:endParaRPr lang="pt-BR" b="1" dirty="0" smtClean="0"/>
-          </a:p>
-          <a:p>
-            <a:pPr lvl="1" fontAlgn="base"/>
-            <a:endParaRPr lang="pt-BR" dirty="0"/>
+              <a:rPr lang="pt-BR" dirty="0" smtClean="0"/>
+              <a:t>NA CRIAÇÃO DE CONTROLLERS</a:t>
+            </a:r>
+          </a:p>
+          <a:p>
+            <a:pPr lvl="1" fontAlgn="base"/>
+            <a:r>
+              <a:rPr lang="pt-BR" dirty="0" smtClean="0"/>
+              <a:t>NA CRIAÇÃO DE SERVIÇOS</a:t>
+            </a:r>
+          </a:p>
+          <a:p>
+            <a:pPr lvl="1" fontAlgn="base"/>
+            <a:r>
+              <a:rPr lang="pt-BR" dirty="0" smtClean="0"/>
+              <a:t>NA CRIAÇÃO DE </a:t>
+            </a:r>
+            <a:r>
+              <a:rPr lang="pt-BR" dirty="0" err="1" smtClean="0"/>
+              <a:t>fACTORIES</a:t>
+            </a:r>
+            <a:endParaRPr lang="pt-BR" dirty="0" smtClean="0"/>
+          </a:p>
+          <a:p>
+            <a:pPr lvl="1" fontAlgn="base"/>
+            <a:r>
+              <a:rPr lang="pt-BR" dirty="0" smtClean="0"/>
+              <a:t>NA CRIAÇÃO DE </a:t>
+            </a:r>
+            <a:r>
+              <a:rPr lang="pt-BR" dirty="0" err="1" smtClean="0"/>
+              <a:t>dIRETIVAS</a:t>
+            </a:r>
+            <a:endParaRPr lang="pt-BR" dirty="0" smtClean="0"/>
           </a:p>
         </p:txBody>
       </p:sp>
     </p:spTree>
     <p:extLst>
       <p:ext uri="{BB962C8B-B14F-4D97-AF65-F5344CB8AC3E}">
-        <p14:creationId xmlns:p14="http://schemas.microsoft.com/office/powerpoint/2010/main" val="1696305423"/>
+        <p14:creationId xmlns:p14="http://schemas.microsoft.com/office/powerpoint/2010/main" val="1601206671"/>
       </p:ext>
     </p:extLst>
   </p:cSld>
@@ -3683,8 +3687,305 @@
           <a:p>
             <a:pPr fontAlgn="base"/>
             <a:r>
+              <a:rPr lang="pt-BR" b="1" dirty="0"/>
+              <a:t>Módulo </a:t>
+            </a:r>
+            <a:r>
               <a:rPr lang="pt-BR" b="1" dirty="0" smtClean="0"/>
-              <a:t>Módulo 10 – Mobile</a:t>
+              <a:t>10 – Frameworks CSS</a:t>
+            </a:r>
+          </a:p>
+          <a:p>
+            <a:pPr lvl="1" fontAlgn="base"/>
+            <a:r>
+              <a:rPr lang="pt-BR" dirty="0" err="1" smtClean="0"/>
+              <a:t>Bootstrap</a:t>
+            </a:r>
+            <a:endParaRPr lang="pt-BR" dirty="0" smtClean="0"/>
+          </a:p>
+          <a:p>
+            <a:pPr lvl="1" fontAlgn="base"/>
+            <a:r>
+              <a:rPr lang="pt-BR" dirty="0" smtClean="0"/>
+              <a:t>Materialize</a:t>
+            </a:r>
+          </a:p>
+          <a:p>
+            <a:pPr lvl="1" fontAlgn="base"/>
+            <a:r>
+              <a:rPr lang="pt-BR" dirty="0" smtClean="0"/>
+              <a:t>Material design</a:t>
+            </a:r>
+          </a:p>
+          <a:p>
+            <a:pPr lvl="1" fontAlgn="base"/>
+            <a:r>
+              <a:rPr lang="pt-BR" dirty="0" err="1" smtClean="0"/>
+              <a:t>Bootstrap</a:t>
+            </a:r>
+            <a:r>
+              <a:rPr lang="pt-BR" dirty="0" smtClean="0"/>
+              <a:t> </a:t>
+            </a:r>
+            <a:r>
+              <a:rPr lang="pt-BR" dirty="0" err="1" smtClean="0"/>
+              <a:t>directives</a:t>
+            </a:r>
+            <a:endParaRPr lang="pt-BR" dirty="0" smtClean="0"/>
+          </a:p>
+        </p:txBody>
+      </p:sp>
+    </p:spTree>
+    <p:extLst>
+      <p:ext uri="{BB962C8B-B14F-4D97-AF65-F5344CB8AC3E}">
+        <p14:creationId xmlns:p14="http://schemas.microsoft.com/office/powerpoint/2010/main" val="3847186042"/>
+      </p:ext>
+    </p:extLst>
+  </p:cSld>
+  <p:clrMapOvr>
+    <a:masterClrMapping/>
+  </p:clrMapOvr>
+  <p:transition spd="slow">
+    <p:push dir="u"/>
+  </p:transition>
+  <p:timing>
+    <p:tnLst>
+      <p:par>
+        <p:cTn id="1" dur="indefinite" restart="never" nodeType="tmRoot"/>
+      </p:par>
+    </p:tnLst>
+  </p:timing>
+</p:sld>
+</file>
+
+<file path=ppt/slides/slide14.xml><?xml version="1.0" encoding="utf-8"?>
+<p:sld xmlns:a="http://schemas.openxmlformats.org/drawingml/2006/main" xmlns:r="http://schemas.openxmlformats.org/officeDocument/2006/relationships" xmlns:p="http://schemas.openxmlformats.org/presentationml/2006/main">
+  <p:cSld>
+    <p:bg>
+      <p:bgPr>
+        <a:blipFill dpi="0" rotWithShape="1">
+          <a:blip r:embed="rId2">
+            <a:lum/>
+          </a:blip>
+          <a:srcRect/>
+          <a:stretch>
+            <a:fillRect/>
+          </a:stretch>
+        </a:blipFill>
+        <a:effectLst/>
+      </p:bgPr>
+    </p:bg>
+    <p:spTree>
+      <p:nvGrpSpPr>
+        <p:cNvPr id="1" name=""/>
+        <p:cNvGrpSpPr/>
+        <p:nvPr/>
+      </p:nvGrpSpPr>
+      <p:grpSpPr>
+        <a:xfrm>
+          <a:off x="0" y="0"/>
+          <a:ext cx="0" cy="0"/>
+          <a:chOff x="0" y="0"/>
+          <a:chExt cx="0" cy="0"/>
+        </a:xfrm>
+      </p:grpSpPr>
+      <p:sp>
+        <p:nvSpPr>
+          <p:cNvPr id="2" name="Título 1"/>
+          <p:cNvSpPr>
+            <a:spLocks noGrp="1"/>
+          </p:cNvSpPr>
+          <p:nvPr>
+            <p:ph type="title"/>
+          </p:nvPr>
+        </p:nvSpPr>
+        <p:spPr/>
+        <p:txBody>
+          <a:bodyPr/>
+          <a:lstStyle/>
+          <a:p>
+            <a:r>
+              <a:rPr lang="pt-BR" dirty="0" smtClean="0"/>
+              <a:t>Agenda</a:t>
+            </a:r>
+            <a:endParaRPr lang="pt-BR" dirty="0"/>
+          </a:p>
+        </p:txBody>
+      </p:sp>
+      <p:sp>
+        <p:nvSpPr>
+          <p:cNvPr id="3" name="Espaço Reservado para Conteúdo 2"/>
+          <p:cNvSpPr>
+            <a:spLocks noGrp="1"/>
+          </p:cNvSpPr>
+          <p:nvPr>
+            <p:ph idx="1"/>
+          </p:nvPr>
+        </p:nvSpPr>
+        <p:spPr/>
+        <p:txBody>
+          <a:bodyPr numCol="1">
+            <a:normAutofit/>
+          </a:bodyPr>
+          <a:lstStyle/>
+          <a:p>
+            <a:pPr fontAlgn="base"/>
+            <a:r>
+              <a:rPr lang="pt-BR" b="1" dirty="0" smtClean="0"/>
+              <a:t>Módulo 11 – infraestrutura</a:t>
+            </a:r>
+          </a:p>
+          <a:p>
+            <a:pPr lvl="1" fontAlgn="base"/>
+            <a:r>
+              <a:rPr lang="pt-BR" b="1" dirty="0" err="1" smtClean="0"/>
+              <a:t>Minificando</a:t>
+            </a:r>
+            <a:r>
+              <a:rPr lang="pt-BR" b="1" dirty="0" smtClean="0"/>
+              <a:t> os arquivos</a:t>
+            </a:r>
+          </a:p>
+          <a:p>
+            <a:pPr lvl="1" fontAlgn="base"/>
+            <a:r>
+              <a:rPr lang="pt-BR" b="1" dirty="0" smtClean="0"/>
+              <a:t>Ofuscando os </a:t>
+            </a:r>
+            <a:r>
+              <a:rPr lang="pt-BR" b="1" dirty="0" err="1" smtClean="0"/>
+              <a:t>javascripts</a:t>
+            </a:r>
+            <a:endParaRPr lang="pt-BR" b="1" dirty="0" smtClean="0"/>
+          </a:p>
+          <a:p>
+            <a:pPr lvl="1" fontAlgn="base"/>
+            <a:r>
+              <a:rPr lang="pt-BR" b="1" dirty="0" smtClean="0"/>
+              <a:t>Melhorando a publicação e desenvolvimento do seu projeto front-</a:t>
+            </a:r>
+            <a:r>
+              <a:rPr lang="pt-BR" b="1" dirty="0" err="1" smtClean="0"/>
+              <a:t>end</a:t>
+            </a:r>
+            <a:endParaRPr lang="pt-BR" b="1" dirty="0" smtClean="0"/>
+          </a:p>
+          <a:p>
+            <a:pPr lvl="1" fontAlgn="base"/>
+            <a:r>
+              <a:rPr lang="pt-BR" b="1" dirty="0" smtClean="0"/>
+              <a:t>Publicando a aplicação no </a:t>
+            </a:r>
+            <a:r>
+              <a:rPr lang="pt-BR" b="1" dirty="0" err="1" smtClean="0"/>
+              <a:t>azure</a:t>
+            </a:r>
+            <a:endParaRPr lang="pt-BR" b="1" dirty="0" smtClean="0"/>
+          </a:p>
+          <a:p>
+            <a:pPr lvl="1" fontAlgn="base"/>
+            <a:endParaRPr lang="pt-BR" dirty="0"/>
+          </a:p>
+        </p:txBody>
+      </p:sp>
+    </p:spTree>
+    <p:extLst>
+      <p:ext uri="{BB962C8B-B14F-4D97-AF65-F5344CB8AC3E}">
+        <p14:creationId xmlns:p14="http://schemas.microsoft.com/office/powerpoint/2010/main" val="1696305423"/>
+      </p:ext>
+    </p:extLst>
+  </p:cSld>
+  <p:clrMapOvr>
+    <a:masterClrMapping/>
+  </p:clrMapOvr>
+  <p:transition spd="slow">
+    <p:push dir="u"/>
+  </p:transition>
+  <p:timing>
+    <p:tnLst>
+      <p:par>
+        <p:cTn id="1" dur="indefinite" restart="never" nodeType="tmRoot"/>
+      </p:par>
+    </p:tnLst>
+  </p:timing>
+</p:sld>
+</file>
+
+<file path=ppt/slides/slide15.xml><?xml version="1.0" encoding="utf-8"?>
+<p:sld xmlns:a="http://schemas.openxmlformats.org/drawingml/2006/main" xmlns:r="http://schemas.openxmlformats.org/officeDocument/2006/relationships" xmlns:p="http://schemas.openxmlformats.org/presentationml/2006/main">
+  <p:cSld>
+    <p:bg>
+      <p:bgPr>
+        <a:blipFill dpi="0" rotWithShape="1">
+          <a:blip r:embed="rId2">
+            <a:lum/>
+          </a:blip>
+          <a:srcRect/>
+          <a:stretch>
+            <a:fillRect/>
+          </a:stretch>
+        </a:blipFill>
+        <a:effectLst/>
+      </p:bgPr>
+    </p:bg>
+    <p:spTree>
+      <p:nvGrpSpPr>
+        <p:cNvPr id="1" name=""/>
+        <p:cNvGrpSpPr/>
+        <p:nvPr/>
+      </p:nvGrpSpPr>
+      <p:grpSpPr>
+        <a:xfrm>
+          <a:off x="0" y="0"/>
+          <a:ext cx="0" cy="0"/>
+          <a:chOff x="0" y="0"/>
+          <a:chExt cx="0" cy="0"/>
+        </a:xfrm>
+      </p:grpSpPr>
+      <p:sp>
+        <p:nvSpPr>
+          <p:cNvPr id="2" name="Título 1"/>
+          <p:cNvSpPr>
+            <a:spLocks noGrp="1"/>
+          </p:cNvSpPr>
+          <p:nvPr>
+            <p:ph type="title"/>
+          </p:nvPr>
+        </p:nvSpPr>
+        <p:spPr/>
+        <p:txBody>
+          <a:bodyPr/>
+          <a:lstStyle/>
+          <a:p>
+            <a:r>
+              <a:rPr lang="pt-BR" dirty="0" smtClean="0"/>
+              <a:t>Agenda</a:t>
+            </a:r>
+            <a:endParaRPr lang="pt-BR" dirty="0"/>
+          </a:p>
+        </p:txBody>
+      </p:sp>
+      <p:sp>
+        <p:nvSpPr>
+          <p:cNvPr id="3" name="Espaço Reservado para Conteúdo 2"/>
+          <p:cNvSpPr>
+            <a:spLocks noGrp="1"/>
+          </p:cNvSpPr>
+          <p:nvPr>
+            <p:ph idx="1"/>
+          </p:nvPr>
+        </p:nvSpPr>
+        <p:spPr/>
+        <p:txBody>
+          <a:bodyPr numCol="1">
+            <a:normAutofit/>
+          </a:bodyPr>
+          <a:lstStyle/>
+          <a:p>
+            <a:pPr fontAlgn="base"/>
+            <a:r>
+              <a:rPr lang="pt-BR" b="1" dirty="0" smtClean="0"/>
+              <a:t>Módulo 12 – Mobile</a:t>
             </a:r>
           </a:p>
           <a:p>
@@ -4633,7 +4934,7 @@
         </p:nvSpPr>
         <p:spPr/>
         <p:txBody>
-          <a:bodyPr numCol="2">
+          <a:bodyPr numCol="1">
             <a:normAutofit/>
           </a:bodyPr>
           <a:lstStyle/>
@@ -4645,16 +4946,8 @@
             </a:r>
             <a:r>
               <a:rPr lang="pt-BR" b="1" dirty="0" smtClean="0"/>
-              <a:t>4 – Formulários</a:t>
-            </a:r>
-          </a:p>
-          <a:p>
-            <a:pPr lvl="1" fontAlgn="base"/>
-            <a:r>
-              <a:rPr lang="pt-BR" b="1" dirty="0" err="1" smtClean="0"/>
-              <a:t>Novalidate</a:t>
-            </a:r>
-            <a:endParaRPr lang="pt-BR" b="1" dirty="0" smtClean="0"/>
+              <a:t>4 – $HTTP, $RESOURCE e Formulários</a:t>
+            </a:r>
           </a:p>
           <a:p>
             <a:pPr lvl="1" fontAlgn="base"/>
@@ -4664,51 +4957,29 @@
             </a:r>
             <a:r>
               <a:rPr lang="pt-BR" b="1" dirty="0" err="1" smtClean="0"/>
-              <a:t>invalid</a:t>
-            </a:r>
+              <a:t>Http</a:t>
+            </a:r>
+            <a:endParaRPr lang="pt-BR" b="1" dirty="0" smtClean="0"/>
+          </a:p>
+          <a:p>
+            <a:pPr lvl="1" fontAlgn="base"/>
             <a:r>
               <a:rPr lang="pt-BR" b="1" dirty="0" smtClean="0"/>
-              <a:t> e $</a:t>
+              <a:t>$</a:t>
             </a:r>
             <a:r>
               <a:rPr lang="pt-BR" b="1" dirty="0" err="1" smtClean="0"/>
-              <a:t>dirty</a:t>
+              <a:t>resource</a:t>
             </a:r>
             <a:endParaRPr lang="pt-BR" b="1" dirty="0" smtClean="0"/>
           </a:p>
           <a:p>
             <a:pPr lvl="1" fontAlgn="base"/>
             <a:r>
-              <a:rPr lang="pt-BR" b="1" dirty="0" err="1" smtClean="0"/>
-              <a:t>Ng</a:t>
-            </a:r>
-            <a:r>
-              <a:rPr lang="pt-BR" b="1" dirty="0" smtClean="0"/>
-              <a:t>-min, </a:t>
-            </a:r>
-            <a:r>
-              <a:rPr lang="pt-BR" b="1" dirty="0" err="1" smtClean="0"/>
-              <a:t>ng-max</a:t>
-            </a:r>
-            <a:r>
-              <a:rPr lang="pt-BR" b="1" dirty="0" smtClean="0"/>
-              <a:t>, </a:t>
-            </a:r>
-            <a:r>
-              <a:rPr lang="pt-BR" b="1" dirty="0" err="1" smtClean="0"/>
-              <a:t>required</a:t>
-            </a:r>
-            <a:r>
-              <a:rPr lang="pt-BR" b="1" dirty="0" smtClean="0"/>
-              <a:t>...</a:t>
-            </a:r>
-          </a:p>
-          <a:p>
-            <a:pPr lvl="1" fontAlgn="base"/>
-            <a:r>
-              <a:rPr lang="pt-BR" b="1" dirty="0" smtClean="0"/>
-              <a:t>Utilizando máscaras</a:t>
-            </a:r>
+              <a:rPr lang="pt-BR" b="1" smtClean="0"/>
+              <a:t>Formulários</a:t>
+            </a:r>
+            <a:endParaRPr lang="pt-BR" b="1" dirty="0" smtClean="0"/>
           </a:p>
         </p:txBody>
       </p:sp>
@@ -4950,47 +5221,59 @@
             <a:pPr fontAlgn="base"/>
             <a:r>
               <a:rPr lang="pt-BR" b="1" dirty="0"/>
-              <a:t>Módulo </a:t>
-            </a:r>
-            <a:r>
-              <a:rPr lang="pt-BR" b="1" dirty="0" smtClean="0"/>
-              <a:t>6 - Services </a:t>
+              <a:t>Módulo 6 – Services, </a:t>
+            </a:r>
+            <a:r>
+              <a:rPr lang="pt-BR" b="1" dirty="0" err="1"/>
+              <a:t>Factories</a:t>
             </a:r>
             <a:r>
               <a:rPr lang="pt-BR" b="1" dirty="0"/>
-              <a:t>e </a:t>
-            </a:r>
-            <a:r>
-              <a:rPr lang="pt-BR" b="1" dirty="0" err="1" smtClean="0"/>
-              <a:t>Factories</a:t>
-            </a:r>
-            <a:endParaRPr lang="pt-BR" b="1" dirty="0" smtClean="0"/>
-          </a:p>
-          <a:p>
-            <a:pPr lvl="1" fontAlgn="base"/>
-            <a:r>
-              <a:rPr lang="pt-BR" b="1" dirty="0" smtClean="0"/>
+              <a:t> e </a:t>
+            </a:r>
+            <a:r>
+              <a:rPr lang="pt-BR" b="1" dirty="0" err="1"/>
+              <a:t>providers</a:t>
+            </a:r>
+            <a:endParaRPr lang="pt-BR" b="1" dirty="0"/>
+          </a:p>
+          <a:p>
+            <a:pPr lvl="1" fontAlgn="base"/>
+            <a:r>
+              <a:rPr lang="pt-BR" b="1" dirty="0"/>
               <a:t>O que são quando utilizar?</a:t>
             </a:r>
           </a:p>
           <a:p>
             <a:pPr lvl="1" fontAlgn="base"/>
             <a:r>
-              <a:rPr lang="pt-BR" b="1" dirty="0" smtClean="0"/>
+              <a:rPr lang="pt-BR" b="1" dirty="0"/>
+              <a:t>Criando </a:t>
+            </a:r>
+            <a:r>
+              <a:rPr lang="pt-BR" b="1" dirty="0" err="1"/>
+              <a:t>factories</a:t>
+            </a:r>
+            <a:endParaRPr lang="pt-BR" b="1" dirty="0"/>
+          </a:p>
+          <a:p>
+            <a:pPr lvl="1" fontAlgn="base"/>
+            <a:r>
+              <a:rPr lang="pt-BR" b="1" dirty="0"/>
               <a:t>Criando serviços</a:t>
             </a:r>
           </a:p>
           <a:p>
             <a:pPr lvl="1" fontAlgn="base"/>
             <a:r>
-              <a:rPr lang="pt-BR" b="1" dirty="0" smtClean="0"/>
+              <a:rPr lang="pt-BR" b="1" dirty="0"/>
               <a:t>Criando </a:t>
             </a:r>
             <a:r>
-              <a:rPr lang="pt-BR" b="1" dirty="0" err="1" smtClean="0"/>
-              <a:t>factories</a:t>
-            </a:r>
-            <a:endParaRPr lang="pt-BR" b="1" dirty="0" smtClean="0"/>
+              <a:rPr lang="pt-BR" b="1" dirty="0" err="1"/>
+              <a:t>providers</a:t>
+            </a:r>
+            <a:endParaRPr lang="pt-BR" b="1" u="sng" dirty="0"/>
           </a:p>
           <a:p>
             <a:pPr lvl="1" fontAlgn="base"/>
